--- a/Github.pptx
+++ b/Github.pptx
@@ -104,6 +104,11 @@
       </a:defRPr>
     </a:lvl9pPr>
   </p:defaultTextStyle>
+  <p:extLst>
+    <p:ext uri="{EFAFB233-063F-42B5-8137-9DF3F51BA10A}">
+      <p15:sldGuideLst xmlns:p15="http://schemas.microsoft.com/office/powerpoint/2012/main"/>
+    </p:ext>
+  </p:extLst>
 </p:presentation>
 </file>
 
@@ -238,7 +243,7 @@
           <a:p>
             <a:fld id="{07631CFF-E23D-4990-B27E-A9001479D93E}" type="datetimeFigureOut">
               <a:rPr lang="en-US" smtClean="0"/>
-              <a:t>12/15/2023</a:t>
+              <a:t>1/26/2024</a:t>
             </a:fld>
             <a:endParaRPr lang="en-US"/>
           </a:p>
@@ -408,7 +413,7 @@
           <a:p>
             <a:fld id="{07631CFF-E23D-4990-B27E-A9001479D93E}" type="datetimeFigureOut">
               <a:rPr lang="en-US" smtClean="0"/>
-              <a:t>12/15/2023</a:t>
+              <a:t>1/26/2024</a:t>
             </a:fld>
             <a:endParaRPr lang="en-US"/>
           </a:p>
@@ -588,7 +593,7 @@
           <a:p>
             <a:fld id="{07631CFF-E23D-4990-B27E-A9001479D93E}" type="datetimeFigureOut">
               <a:rPr lang="en-US" smtClean="0"/>
-              <a:t>12/15/2023</a:t>
+              <a:t>1/26/2024</a:t>
             </a:fld>
             <a:endParaRPr lang="en-US"/>
           </a:p>
@@ -758,7 +763,7 @@
           <a:p>
             <a:fld id="{07631CFF-E23D-4990-B27E-A9001479D93E}" type="datetimeFigureOut">
               <a:rPr lang="en-US" smtClean="0"/>
-              <a:t>12/15/2023</a:t>
+              <a:t>1/26/2024</a:t>
             </a:fld>
             <a:endParaRPr lang="en-US"/>
           </a:p>
@@ -1004,7 +1009,7 @@
           <a:p>
             <a:fld id="{07631CFF-E23D-4990-B27E-A9001479D93E}" type="datetimeFigureOut">
               <a:rPr lang="en-US" smtClean="0"/>
-              <a:t>12/15/2023</a:t>
+              <a:t>1/26/2024</a:t>
             </a:fld>
             <a:endParaRPr lang="en-US"/>
           </a:p>
@@ -1236,7 +1241,7 @@
           <a:p>
             <a:fld id="{07631CFF-E23D-4990-B27E-A9001479D93E}" type="datetimeFigureOut">
               <a:rPr lang="en-US" smtClean="0"/>
-              <a:t>12/15/2023</a:t>
+              <a:t>1/26/2024</a:t>
             </a:fld>
             <a:endParaRPr lang="en-US"/>
           </a:p>
@@ -1603,7 +1608,7 @@
           <a:p>
             <a:fld id="{07631CFF-E23D-4990-B27E-A9001479D93E}" type="datetimeFigureOut">
               <a:rPr lang="en-US" smtClean="0"/>
-              <a:t>12/15/2023</a:t>
+              <a:t>1/26/2024</a:t>
             </a:fld>
             <a:endParaRPr lang="en-US"/>
           </a:p>
@@ -1721,7 +1726,7 @@
           <a:p>
             <a:fld id="{07631CFF-E23D-4990-B27E-A9001479D93E}" type="datetimeFigureOut">
               <a:rPr lang="en-US" smtClean="0"/>
-              <a:t>12/15/2023</a:t>
+              <a:t>1/26/2024</a:t>
             </a:fld>
             <a:endParaRPr lang="en-US"/>
           </a:p>
@@ -1816,7 +1821,7 @@
           <a:p>
             <a:fld id="{07631CFF-E23D-4990-B27E-A9001479D93E}" type="datetimeFigureOut">
               <a:rPr lang="en-US" smtClean="0"/>
-              <a:t>12/15/2023</a:t>
+              <a:t>1/26/2024</a:t>
             </a:fld>
             <a:endParaRPr lang="en-US"/>
           </a:p>
@@ -2093,7 +2098,7 @@
           <a:p>
             <a:fld id="{07631CFF-E23D-4990-B27E-A9001479D93E}" type="datetimeFigureOut">
               <a:rPr lang="en-US" smtClean="0"/>
-              <a:t>12/15/2023</a:t>
+              <a:t>1/26/2024</a:t>
             </a:fld>
             <a:endParaRPr lang="en-US"/>
           </a:p>
@@ -2346,7 +2351,7 @@
           <a:p>
             <a:fld id="{07631CFF-E23D-4990-B27E-A9001479D93E}" type="datetimeFigureOut">
               <a:rPr lang="en-US" smtClean="0"/>
-              <a:t>12/15/2023</a:t>
+              <a:t>1/26/2024</a:t>
             </a:fld>
             <a:endParaRPr lang="en-US"/>
           </a:p>
@@ -2559,7 +2564,7 @@
           <a:p>
             <a:fld id="{07631CFF-E23D-4990-B27E-A9001479D93E}" type="datetimeFigureOut">
               <a:rPr lang="en-US" smtClean="0"/>
-              <a:t>12/15/2023</a:t>
+              <a:t>1/26/2024</a:t>
             </a:fld>
             <a:endParaRPr lang="en-US"/>
           </a:p>
@@ -2974,14 +2979,14 @@
       </p:grpSpPr>
       <p:pic>
         <p:nvPicPr>
-          <p:cNvPr id="18" name="Picture 17"/>
+          <p:cNvPr id="3" name="Picture 2"/>
           <p:cNvPicPr>
             <a:picLocks noChangeAspect="1"/>
           </p:cNvPicPr>
           <p:nvPr/>
         </p:nvPicPr>
         <p:blipFill>
-          <a:blip r:embed="rId2" cstate="print">
+          <a:blip r:embed="rId2">
             <a:extLst>
               <a:ext uri="{28A0092B-C50C-407E-A947-70E740481C1C}">
                 <a14:useLocalDpi xmlns:a14="http://schemas.microsoft.com/office/drawing/2010/main" val="0"/>
@@ -2994,27 +2999,17 @@
         </p:blipFill>
         <p:spPr>
           <a:xfrm>
-            <a:off x="4775931" y="2883863"/>
-            <a:ext cx="7435998" cy="3974137"/>
+            <a:off x="7802088" y="2880496"/>
+            <a:ext cx="4389912" cy="3977504"/>
           </a:xfrm>
           <a:prstGeom prst="rect">
             <a:avLst/>
           </a:prstGeom>
-          <a:ln>
-            <a:noFill/>
-          </a:ln>
-          <a:effectLst>
-            <a:outerShdw blurRad="190500" algn="tl" rotWithShape="0">
-              <a:srgbClr val="000000">
-                <a:alpha val="70000"/>
-              </a:srgbClr>
-            </a:outerShdw>
-          </a:effectLst>
         </p:spPr>
       </p:pic>
       <p:pic>
         <p:nvPicPr>
-          <p:cNvPr id="19" name="Picture 18"/>
+          <p:cNvPr id="2" name="Picture 1"/>
           <p:cNvPicPr>
             <a:picLocks noChangeAspect="1"/>
           </p:cNvPicPr>
@@ -3034,8 +3029,8 @@
         </p:blipFill>
         <p:spPr>
           <a:xfrm>
-            <a:off x="0" y="2883864"/>
-            <a:ext cx="5052291" cy="2225750"/>
+            <a:off x="0" y="2883863"/>
+            <a:ext cx="3598223" cy="2460238"/>
           </a:xfrm>
           <a:prstGeom prst="rect">
             <a:avLst/>
@@ -3044,7 +3039,7 @@
       </p:pic>
       <p:pic>
         <p:nvPicPr>
-          <p:cNvPr id="20" name="Picture 19"/>
+          <p:cNvPr id="18" name="Picture 17"/>
           <p:cNvPicPr>
             <a:picLocks noChangeAspect="1"/>
           </p:cNvPicPr>
@@ -3064,8 +3059,48 @@
         </p:blipFill>
         <p:spPr>
           <a:xfrm>
-            <a:off x="2638109" y="4907875"/>
-            <a:ext cx="3690446" cy="1953491"/>
+            <a:off x="3598223" y="2883863"/>
+            <a:ext cx="5686230" cy="3974137"/>
+          </a:xfrm>
+          <a:prstGeom prst="rect">
+            <a:avLst/>
+          </a:prstGeom>
+          <a:ln>
+            <a:noFill/>
+          </a:ln>
+          <a:effectLst>
+            <a:outerShdw blurRad="190500" algn="tl" rotWithShape="0">
+              <a:srgbClr val="000000">
+                <a:alpha val="70000"/>
+              </a:srgbClr>
+            </a:outerShdw>
+          </a:effectLst>
+        </p:spPr>
+      </p:pic>
+      <p:pic>
+        <p:nvPicPr>
+          <p:cNvPr id="20" name="Picture 19"/>
+          <p:cNvPicPr>
+            <a:picLocks noChangeAspect="1"/>
+          </p:cNvPicPr>
+          <p:nvPr/>
+        </p:nvPicPr>
+        <p:blipFill>
+          <a:blip r:embed="rId5" cstate="print">
+            <a:extLst>
+              <a:ext uri="{28A0092B-C50C-407E-A947-70E740481C1C}">
+                <a14:useLocalDpi xmlns:a14="http://schemas.microsoft.com/office/drawing/2010/main" val="0"/>
+              </a:ext>
+            </a:extLst>
+          </a:blip>
+          <a:stretch>
+            <a:fillRect/>
+          </a:stretch>
+        </p:blipFill>
+        <p:spPr>
+          <a:xfrm>
+            <a:off x="2638109" y="4845133"/>
+            <a:ext cx="3690446" cy="2016234"/>
           </a:xfrm>
           <a:prstGeom prst="rect">
             <a:avLst/>
@@ -3091,7 +3126,7 @@
           <p:nvPr/>
         </p:nvPicPr>
         <p:blipFill>
-          <a:blip r:embed="rId5" cstate="print">
+          <a:blip r:embed="rId6" cstate="print">
             <a:extLst>
               <a:ext uri="{28A0092B-C50C-407E-A947-70E740481C1C}">
                 <a14:useLocalDpi xmlns:a14="http://schemas.microsoft.com/office/drawing/2010/main" val="0"/>
@@ -3134,7 +3169,7 @@
           <p:nvPr/>
         </p:nvPicPr>
         <p:blipFill>
-          <a:blip r:embed="rId6">
+          <a:blip r:embed="rId7">
             <a:extLst>
               <a:ext uri="{28A0092B-C50C-407E-A947-70E740481C1C}">
                 <a14:useLocalDpi xmlns:a14="http://schemas.microsoft.com/office/drawing/2010/main" val="0"/>
@@ -3164,7 +3199,7 @@
           <p:nvPr/>
         </p:nvPicPr>
         <p:blipFill>
-          <a:blip r:embed="rId7" cstate="print">
+          <a:blip r:embed="rId8" cstate="print">
             <a:extLst>
               <a:ext uri="{28A0092B-C50C-407E-A947-70E740481C1C}">
                 <a14:useLocalDpi xmlns:a14="http://schemas.microsoft.com/office/drawing/2010/main" val="0"/>
